--- a/visualizacion/plantillasFondo.pptx
+++ b/visualizacion/plantillasFondo.pptx
@@ -281,7 +281,7 @@
           <a:p>
             <a:fld id="{EB3CDE3E-45DE-4587-ABCE-7CB1C377A57B}" type="datetimeFigureOut">
               <a:rPr lang="en-GB" smtClean="0"/>
-              <a:t>13/06/2023</a:t>
+              <a:t>14/06/2023</a:t>
             </a:fld>
             <a:endParaRPr lang="en-GB"/>
           </a:p>
@@ -481,7 +481,7 @@
           <a:p>
             <a:fld id="{EB3CDE3E-45DE-4587-ABCE-7CB1C377A57B}" type="datetimeFigureOut">
               <a:rPr lang="en-GB" smtClean="0"/>
-              <a:t>13/06/2023</a:t>
+              <a:t>14/06/2023</a:t>
             </a:fld>
             <a:endParaRPr lang="en-GB"/>
           </a:p>
@@ -691,7 +691,7 @@
           <a:p>
             <a:fld id="{EB3CDE3E-45DE-4587-ABCE-7CB1C377A57B}" type="datetimeFigureOut">
               <a:rPr lang="en-GB" smtClean="0"/>
-              <a:t>13/06/2023</a:t>
+              <a:t>14/06/2023</a:t>
             </a:fld>
             <a:endParaRPr lang="en-GB"/>
           </a:p>
@@ -891,7 +891,7 @@
           <a:p>
             <a:fld id="{EB3CDE3E-45DE-4587-ABCE-7CB1C377A57B}" type="datetimeFigureOut">
               <a:rPr lang="en-GB" smtClean="0"/>
-              <a:t>13/06/2023</a:t>
+              <a:t>14/06/2023</a:t>
             </a:fld>
             <a:endParaRPr lang="en-GB"/>
           </a:p>
@@ -1167,7 +1167,7 @@
           <a:p>
             <a:fld id="{EB3CDE3E-45DE-4587-ABCE-7CB1C377A57B}" type="datetimeFigureOut">
               <a:rPr lang="en-GB" smtClean="0"/>
-              <a:t>13/06/2023</a:t>
+              <a:t>14/06/2023</a:t>
             </a:fld>
             <a:endParaRPr lang="en-GB"/>
           </a:p>
@@ -1435,7 +1435,7 @@
           <a:p>
             <a:fld id="{EB3CDE3E-45DE-4587-ABCE-7CB1C377A57B}" type="datetimeFigureOut">
               <a:rPr lang="en-GB" smtClean="0"/>
-              <a:t>13/06/2023</a:t>
+              <a:t>14/06/2023</a:t>
             </a:fld>
             <a:endParaRPr lang="en-GB"/>
           </a:p>
@@ -1850,7 +1850,7 @@
           <a:p>
             <a:fld id="{EB3CDE3E-45DE-4587-ABCE-7CB1C377A57B}" type="datetimeFigureOut">
               <a:rPr lang="en-GB" smtClean="0"/>
-              <a:t>13/06/2023</a:t>
+              <a:t>14/06/2023</a:t>
             </a:fld>
             <a:endParaRPr lang="en-GB"/>
           </a:p>
@@ -1992,7 +1992,7 @@
           <a:p>
             <a:fld id="{EB3CDE3E-45DE-4587-ABCE-7CB1C377A57B}" type="datetimeFigureOut">
               <a:rPr lang="en-GB" smtClean="0"/>
-              <a:t>13/06/2023</a:t>
+              <a:t>14/06/2023</a:t>
             </a:fld>
             <a:endParaRPr lang="en-GB"/>
           </a:p>
@@ -2105,7 +2105,7 @@
           <a:p>
             <a:fld id="{EB3CDE3E-45DE-4587-ABCE-7CB1C377A57B}" type="datetimeFigureOut">
               <a:rPr lang="en-GB" smtClean="0"/>
-              <a:t>13/06/2023</a:t>
+              <a:t>14/06/2023</a:t>
             </a:fld>
             <a:endParaRPr lang="en-GB"/>
           </a:p>
@@ -2418,7 +2418,7 @@
           <a:p>
             <a:fld id="{EB3CDE3E-45DE-4587-ABCE-7CB1C377A57B}" type="datetimeFigureOut">
               <a:rPr lang="en-GB" smtClean="0"/>
-              <a:t>13/06/2023</a:t>
+              <a:t>14/06/2023</a:t>
             </a:fld>
             <a:endParaRPr lang="en-GB"/>
           </a:p>
@@ -2707,7 +2707,7 @@
           <a:p>
             <a:fld id="{EB3CDE3E-45DE-4587-ABCE-7CB1C377A57B}" type="datetimeFigureOut">
               <a:rPr lang="en-GB" smtClean="0"/>
-              <a:t>13/06/2023</a:t>
+              <a:t>14/06/2023</a:t>
             </a:fld>
             <a:endParaRPr lang="en-GB"/>
           </a:p>
@@ -2950,7 +2950,7 @@
           <a:p>
             <a:fld id="{EB3CDE3E-45DE-4587-ABCE-7CB1C377A57B}" type="datetimeFigureOut">
               <a:rPr lang="en-GB" smtClean="0"/>
-              <a:t>13/06/2023</a:t>
+              <a:t>14/06/2023</a:t>
             </a:fld>
             <a:endParaRPr lang="en-GB"/>
           </a:p>
@@ -11878,7 +11878,7 @@
         <p:spPr>
           <a:xfrm>
             <a:off x="324196" y="1886989"/>
-            <a:ext cx="2447659" cy="4555375"/>
+            <a:ext cx="2447659" cy="4794799"/>
           </a:xfrm>
           <a:prstGeom prst="roundRect">
             <a:avLst/>
